--- a/fuentes/contenidos/grado10/guion09/CN__10_09.pptx
+++ b/fuentes/contenidos/grado10/guion09/CN__10_09.pptx
@@ -473,7 +473,7 @@
           <a:p>
             <a:fld id="{5001C876-01F7-4317-94B9-1AE222133113}" type="datetimeFigureOut">
               <a:rPr lang="es-ES" smtClean="0"/>
-              <a:t>14/09/2015</a:t>
+              <a:t>22/09/2015</a:t>
             </a:fld>
             <a:endParaRPr lang="es-ES" dirty="0"/>
           </a:p>
@@ -1141,8 +1141,12 @@
           <a:p>
             <a:pPr algn="ctr"/>
             <a:r>
-              <a:rPr lang="es-CO" sz="1300" b="1" dirty="0" smtClean="0"/>
-              <a:t>energía</a:t>
+              <a:rPr lang="es-CO" sz="1300" b="1" dirty="0"/>
+              <a:t>E</a:t>
+            </a:r>
+            <a:r>
+              <a:rPr lang="es-CO" sz="1300" b="1" smtClean="0"/>
+              <a:t>nergía</a:t>
             </a:r>
             <a:endParaRPr lang="es-CO" sz="1300" b="1" dirty="0"/>
           </a:p>
@@ -1493,8 +1497,12 @@
           <a:p>
             <a:pPr algn="ctr"/>
             <a:r>
+              <a:rPr lang="es-CO" sz="1300" b="1" dirty="0"/>
+              <a:t>M</a:t>
+            </a:r>
+            <a:r>
               <a:rPr lang="es-CO" sz="1300" b="1" dirty="0" smtClean="0"/>
-              <a:t>materia</a:t>
+              <a:t>ateria</a:t>
             </a:r>
             <a:endParaRPr lang="es-CO" sz="1300" b="1" dirty="0"/>
           </a:p>
